--- a/фантом библиотеки.pptx
+++ b/фантом библиотеки.pptx
@@ -6,16 +6,15 @@
   </p:sldMasterIdLst>
   <p:sldIdLst>
     <p:sldId id="256" r:id="rId2"/>
-    <p:sldId id="257" r:id="rId3"/>
-    <p:sldId id="258" r:id="rId4"/>
-    <p:sldId id="259" r:id="rId5"/>
-    <p:sldId id="260" r:id="rId6"/>
-    <p:sldId id="261" r:id="rId7"/>
-    <p:sldId id="262" r:id="rId8"/>
-    <p:sldId id="263" r:id="rId9"/>
-    <p:sldId id="264" r:id="rId10"/>
-    <p:sldId id="265" r:id="rId11"/>
-    <p:sldId id="266" r:id="rId12"/>
+    <p:sldId id="258" r:id="rId3"/>
+    <p:sldId id="259" r:id="rId4"/>
+    <p:sldId id="260" r:id="rId5"/>
+    <p:sldId id="261" r:id="rId6"/>
+    <p:sldId id="262" r:id="rId7"/>
+    <p:sldId id="263" r:id="rId8"/>
+    <p:sldId id="264" r:id="rId9"/>
+    <p:sldId id="265" r:id="rId10"/>
+    <p:sldId id="266" r:id="rId11"/>
   </p:sldIdLst>
   <p:sldSz cx="12192000" cy="6858000"/>
   <p:notesSz cx="6858000" cy="9144000"/>
@@ -114,6 +113,11 @@
       </a:defRPr>
     </a:lvl9pPr>
   </p:defaultTextStyle>
+  <p:extLst>
+    <p:ext uri="{EFAFB233-063F-42B5-8137-9DF3F51BA10A}">
+      <p15:sldGuideLst xmlns:p15="http://schemas.microsoft.com/office/powerpoint/2012/main"/>
+    </p:ext>
+  </p:extLst>
 </p:presentation>
 </file>
 
@@ -452,7 +456,7 @@
           <a:p>
             <a:fld id="{7D48661B-64FC-4660-A624-2441D29FA7CF}" type="datetimeFigureOut">
               <a:rPr lang="ru-RU" smtClean="0"/>
-              <a:t>19.01.2026</a:t>
+              <a:t>28.01.2026</a:t>
             </a:fld>
             <a:endParaRPr lang="ru-RU"/>
           </a:p>
@@ -1540,7 +1544,7 @@
           <a:p>
             <a:fld id="{7D48661B-64FC-4660-A624-2441D29FA7CF}" type="datetimeFigureOut">
               <a:rPr lang="ru-RU" smtClean="0"/>
-              <a:t>19.01.2026</a:t>
+              <a:t>28.01.2026</a:t>
             </a:fld>
             <a:endParaRPr lang="ru-RU"/>
           </a:p>
@@ -2520,7 +2524,7 @@
           <a:p>
             <a:fld id="{7D48661B-64FC-4660-A624-2441D29FA7CF}" type="datetimeFigureOut">
               <a:rPr lang="ru-RU" smtClean="0"/>
-              <a:t>19.01.2026</a:t>
+              <a:t>28.01.2026</a:t>
             </a:fld>
             <a:endParaRPr lang="ru-RU"/>
           </a:p>
@@ -3654,7 +3658,7 @@
           <a:p>
             <a:fld id="{7D48661B-64FC-4660-A624-2441D29FA7CF}" type="datetimeFigureOut">
               <a:rPr lang="ru-RU" smtClean="0"/>
-              <a:t>19.01.2026</a:t>
+              <a:t>28.01.2026</a:t>
             </a:fld>
             <a:endParaRPr lang="ru-RU"/>
           </a:p>
@@ -4687,7 +4691,7 @@
           <a:p>
             <a:fld id="{7D48661B-64FC-4660-A624-2441D29FA7CF}" type="datetimeFigureOut">
               <a:rPr lang="ru-RU" smtClean="0"/>
-              <a:t>19.01.2026</a:t>
+              <a:t>28.01.2026</a:t>
             </a:fld>
             <a:endParaRPr lang="ru-RU"/>
           </a:p>
@@ -5347,7 +5351,7 @@
           <a:p>
             <a:fld id="{7D48661B-64FC-4660-A624-2441D29FA7CF}" type="datetimeFigureOut">
               <a:rPr lang="ru-RU" smtClean="0"/>
-              <a:t>19.01.2026</a:t>
+              <a:t>28.01.2026</a:t>
             </a:fld>
             <a:endParaRPr lang="ru-RU"/>
           </a:p>
@@ -6208,7 +6212,7 @@
           <a:p>
             <a:fld id="{7D48661B-64FC-4660-A624-2441D29FA7CF}" type="datetimeFigureOut">
               <a:rPr lang="ru-RU" smtClean="0"/>
-              <a:t>19.01.2026</a:t>
+              <a:t>28.01.2026</a:t>
             </a:fld>
             <a:endParaRPr lang="ru-RU"/>
           </a:p>
@@ -6398,7 +6402,7 @@
           <a:p>
             <a:fld id="{7D48661B-64FC-4660-A624-2441D29FA7CF}" type="datetimeFigureOut">
               <a:rPr lang="ru-RU" smtClean="0"/>
-              <a:t>19.01.2026</a:t>
+              <a:t>28.01.2026</a:t>
             </a:fld>
             <a:endParaRPr lang="ru-RU"/>
           </a:p>
@@ -7370,7 +7374,7 @@
           <a:p>
             <a:fld id="{7D48661B-64FC-4660-A624-2441D29FA7CF}" type="datetimeFigureOut">
               <a:rPr lang="ru-RU" smtClean="0"/>
-              <a:t>19.01.2026</a:t>
+              <a:t>28.01.2026</a:t>
             </a:fld>
             <a:endParaRPr lang="ru-RU"/>
           </a:p>
@@ -7581,7 +7585,7 @@
           <a:p>
             <a:fld id="{7D48661B-64FC-4660-A624-2441D29FA7CF}" type="datetimeFigureOut">
               <a:rPr lang="ru-RU" smtClean="0"/>
-              <a:t>19.01.2026</a:t>
+              <a:t>28.01.2026</a:t>
             </a:fld>
             <a:endParaRPr lang="ru-RU"/>
           </a:p>
@@ -8615,7 +8619,7 @@
           <a:p>
             <a:fld id="{7D48661B-64FC-4660-A624-2441D29FA7CF}" type="datetimeFigureOut">
               <a:rPr lang="ru-RU" smtClean="0"/>
-              <a:t>19.01.2026</a:t>
+              <a:t>28.01.2026</a:t>
             </a:fld>
             <a:endParaRPr lang="ru-RU"/>
           </a:p>
@@ -8887,7 +8891,7 @@
           <a:p>
             <a:fld id="{7D48661B-64FC-4660-A624-2441D29FA7CF}" type="datetimeFigureOut">
               <a:rPr lang="ru-RU" smtClean="0"/>
-              <a:t>19.01.2026</a:t>
+              <a:t>28.01.2026</a:t>
             </a:fld>
             <a:endParaRPr lang="ru-RU"/>
           </a:p>
@@ -9297,7 +9301,7 @@
           <a:p>
             <a:fld id="{7D48661B-64FC-4660-A624-2441D29FA7CF}" type="datetimeFigureOut">
               <a:rPr lang="ru-RU" smtClean="0"/>
-              <a:t>19.01.2026</a:t>
+              <a:t>28.01.2026</a:t>
             </a:fld>
             <a:endParaRPr lang="ru-RU"/>
           </a:p>
@@ -9424,7 +9428,7 @@
           <a:p>
             <a:fld id="{7D48661B-64FC-4660-A624-2441D29FA7CF}" type="datetimeFigureOut">
               <a:rPr lang="ru-RU" smtClean="0"/>
-              <a:t>19.01.2026</a:t>
+              <a:t>28.01.2026</a:t>
             </a:fld>
             <a:endParaRPr lang="ru-RU"/>
           </a:p>
@@ -9519,7 +9523,7 @@
           <a:p>
             <a:fld id="{7D48661B-64FC-4660-A624-2441D29FA7CF}" type="datetimeFigureOut">
               <a:rPr lang="ru-RU" smtClean="0"/>
-              <a:t>19.01.2026</a:t>
+              <a:t>28.01.2026</a:t>
             </a:fld>
             <a:endParaRPr lang="ru-RU"/>
           </a:p>
@@ -10600,7 +10604,7 @@
           <a:p>
             <a:fld id="{7D48661B-64FC-4660-A624-2441D29FA7CF}" type="datetimeFigureOut">
               <a:rPr lang="ru-RU" smtClean="0"/>
-              <a:t>19.01.2026</a:t>
+              <a:t>28.01.2026</a:t>
             </a:fld>
             <a:endParaRPr lang="ru-RU"/>
           </a:p>
@@ -11708,7 +11712,7 @@
           <a:p>
             <a:fld id="{7D48661B-64FC-4660-A624-2441D29FA7CF}" type="datetimeFigureOut">
               <a:rPr lang="ru-RU" smtClean="0"/>
-              <a:t>19.01.2026</a:t>
+              <a:t>28.01.2026</a:t>
             </a:fld>
             <a:endParaRPr lang="ru-RU"/>
           </a:p>
@@ -12705,7 +12709,7 @@
           <a:p>
             <a:fld id="{7D48661B-64FC-4660-A624-2441D29FA7CF}" type="datetimeFigureOut">
               <a:rPr lang="ru-RU" smtClean="0"/>
-              <a:t>19.01.2026</a:t>
+              <a:t>28.01.2026</a:t>
             </a:fld>
             <a:endParaRPr lang="ru-RU"/>
           </a:p>
@@ -13394,116 +13398,6 @@
           <p:cNvPr id="2" name="Заголовок 1">
             <a:extLst>
               <a:ext uri="{FF2B5EF4-FFF2-40B4-BE49-F238E27FC236}">
-                <a16:creationId xmlns:a16="http://schemas.microsoft.com/office/drawing/2014/main" id="{F33EC161-5484-413F-8D45-42A93516B1C2}"/>
-              </a:ext>
-            </a:extLst>
-          </p:cNvPr>
-          <p:cNvSpPr>
-            <a:spLocks noGrp="1"/>
-          </p:cNvSpPr>
-          <p:nvPr>
-            <p:ph type="title"/>
-          </p:nvPr>
-        </p:nvSpPr>
-        <p:spPr/>
-        <p:txBody>
-          <a:bodyPr/>
-          <a:lstStyle/>
-          <a:p>
-            <a:r>
-              <a:rPr lang="ru-RU" dirty="0"/>
-              <a:t>Вывод</a:t>
-            </a:r>
-          </a:p>
-        </p:txBody>
-      </p:sp>
-      <p:sp>
-        <p:nvSpPr>
-          <p:cNvPr id="3" name="Объект 2">
-            <a:extLst>
-              <a:ext uri="{FF2B5EF4-FFF2-40B4-BE49-F238E27FC236}">
-                <a16:creationId xmlns:a16="http://schemas.microsoft.com/office/drawing/2014/main" id="{12090B16-FE82-4D86-8DCE-39BE31D1C193}"/>
-              </a:ext>
-            </a:extLst>
-          </p:cNvPr>
-          <p:cNvSpPr>
-            <a:spLocks noGrp="1"/>
-          </p:cNvSpPr>
-          <p:nvPr>
-            <p:ph idx="1"/>
-          </p:nvPr>
-        </p:nvSpPr>
-        <p:spPr/>
-        <p:txBody>
-          <a:bodyPr/>
-          <a:lstStyle/>
-          <a:p>
-            <a:r>
-              <a:rPr lang="ru-RU" dirty="0"/>
-              <a:t>Мы научились работать с библиотекой </a:t>
-            </a:r>
-            <a:r>
-              <a:rPr lang="en-US" dirty="0" err="1"/>
-              <a:t>Pygame</a:t>
-            </a:r>
-            <a:r>
-              <a:rPr lang="ru-RU" dirty="0"/>
-              <a:t>, смогли реализовать персонажа и его интерфейс. Научились делать карты и окружение в </a:t>
-            </a:r>
-            <a:r>
-              <a:rPr lang="en-US" dirty="0"/>
-              <a:t>Tiled</a:t>
-            </a:r>
-            <a:r>
-              <a:rPr lang="ru-RU" dirty="0"/>
-              <a:t>, и работать с </a:t>
-            </a:r>
-            <a:r>
-              <a:rPr lang="en-US" dirty="0"/>
-              <a:t>Git</a:t>
-            </a:r>
-            <a:r>
-              <a:rPr lang="ru-RU" dirty="0"/>
-              <a:t>ом. Сделали обработчик событий.</a:t>
-            </a:r>
-          </a:p>
-        </p:txBody>
-      </p:sp>
-    </p:spTree>
-    <p:extLst>
-      <p:ext uri="{BB962C8B-B14F-4D97-AF65-F5344CB8AC3E}">
-        <p14:creationId xmlns:p14="http://schemas.microsoft.com/office/powerpoint/2010/main" val="4273452409"/>
-      </p:ext>
-    </p:extLst>
-  </p:cSld>
-  <p:clrMapOvr>
-    <a:masterClrMapping/>
-  </p:clrMapOvr>
-</p:sld>
-</file>
-
-<file path=ppt/slides/slide11.xml><?xml version="1.0" encoding="utf-8"?>
-<p:sld xmlns:a="http://schemas.openxmlformats.org/drawingml/2006/main" xmlns:r="http://schemas.openxmlformats.org/officeDocument/2006/relationships" xmlns:p="http://schemas.openxmlformats.org/presentationml/2006/main">
-  <p:cSld>
-    <p:spTree>
-      <p:nvGrpSpPr>
-        <p:cNvPr id="1" name=""/>
-        <p:cNvGrpSpPr/>
-        <p:nvPr/>
-      </p:nvGrpSpPr>
-      <p:grpSpPr>
-        <a:xfrm>
-          <a:off x="0" y="0"/>
-          <a:ext cx="0" cy="0"/>
-          <a:chOff x="0" y="0"/>
-          <a:chExt cx="0" cy="0"/>
-        </a:xfrm>
-      </p:grpSpPr>
-      <p:sp>
-        <p:nvSpPr>
-          <p:cNvPr id="2" name="Заголовок 1">
-            <a:extLst>
-              <a:ext uri="{FF2B5EF4-FFF2-40B4-BE49-F238E27FC236}">
                 <a16:creationId xmlns:a16="http://schemas.microsoft.com/office/drawing/2014/main" id="{091BD151-7DBE-44C7-9AA1-C6ED16DA23E5}"/>
               </a:ext>
             </a:extLst>
@@ -13561,21 +13455,8 @@
             </a:r>
             <a:r>
               <a:rPr lang="ru-RU" dirty="0"/>
-              <a:t>, то </a:t>
-            </a:r>
-            <a:r>
-              <a:rPr lang="ru-RU"/>
-              <a:t>добавить динамическое </a:t>
-            </a:r>
-            <a:r>
-              <a:rPr lang="ru-RU" dirty="0"/>
-              <a:t>освещение и смену дня </a:t>
-            </a:r>
-            <a:r>
-              <a:rPr lang="ru-RU"/>
-              <a:t>и ночи.</a:t>
-            </a:r>
-            <a:endParaRPr lang="ru-RU" dirty="0"/>
+              <a:t>, то добавить динамическое освещение.</a:t>
+            </a:r>
           </a:p>
         </p:txBody>
       </p:sp>
@@ -13614,86 +13495,6 @@
           <p:cNvPr id="2" name="Заголовок 1">
             <a:extLst>
               <a:ext uri="{FF2B5EF4-FFF2-40B4-BE49-F238E27FC236}">
-                <a16:creationId xmlns:a16="http://schemas.microsoft.com/office/drawing/2014/main" id="{6C533057-A3E6-4270-AD0E-EA79AC048E04}"/>
-              </a:ext>
-            </a:extLst>
-          </p:cNvPr>
-          <p:cNvSpPr>
-            <a:spLocks noGrp="1"/>
-          </p:cNvSpPr>
-          <p:nvPr>
-            <p:ph type="title"/>
-          </p:nvPr>
-        </p:nvSpPr>
-        <p:spPr/>
-        <p:txBody>
-          <a:bodyPr/>
-          <a:lstStyle/>
-          <a:p>
-            <a:endParaRPr lang="ru-RU" dirty="0"/>
-          </a:p>
-        </p:txBody>
-      </p:sp>
-      <p:sp>
-        <p:nvSpPr>
-          <p:cNvPr id="3" name="Объект 2">
-            <a:extLst>
-              <a:ext uri="{FF2B5EF4-FFF2-40B4-BE49-F238E27FC236}">
-                <a16:creationId xmlns:a16="http://schemas.microsoft.com/office/drawing/2014/main" id="{4E85FDD0-32A9-41DD-A6E0-184D6275AC59}"/>
-              </a:ext>
-            </a:extLst>
-          </p:cNvPr>
-          <p:cNvSpPr>
-            <a:spLocks noGrp="1"/>
-          </p:cNvSpPr>
-          <p:nvPr>
-            <p:ph idx="1"/>
-          </p:nvPr>
-        </p:nvSpPr>
-        <p:spPr/>
-        <p:txBody>
-          <a:bodyPr/>
-          <a:lstStyle/>
-          <a:p>
-            <a:endParaRPr lang="ru-RU"/>
-          </a:p>
-        </p:txBody>
-      </p:sp>
-    </p:spTree>
-    <p:extLst>
-      <p:ext uri="{BB962C8B-B14F-4D97-AF65-F5344CB8AC3E}">
-        <p14:creationId xmlns:p14="http://schemas.microsoft.com/office/powerpoint/2010/main" val="1546917087"/>
-      </p:ext>
-    </p:extLst>
-  </p:cSld>
-  <p:clrMapOvr>
-    <a:masterClrMapping/>
-  </p:clrMapOvr>
-</p:sld>
-</file>
-
-<file path=ppt/slides/slide3.xml><?xml version="1.0" encoding="utf-8"?>
-<p:sld xmlns:a="http://schemas.openxmlformats.org/drawingml/2006/main" xmlns:r="http://schemas.openxmlformats.org/officeDocument/2006/relationships" xmlns:p="http://schemas.openxmlformats.org/presentationml/2006/main">
-  <p:cSld>
-    <p:spTree>
-      <p:nvGrpSpPr>
-        <p:cNvPr id="1" name=""/>
-        <p:cNvGrpSpPr/>
-        <p:nvPr/>
-      </p:nvGrpSpPr>
-      <p:grpSpPr>
-        <a:xfrm>
-          <a:off x="0" y="0"/>
-          <a:ext cx="0" cy="0"/>
-          <a:chOff x="0" y="0"/>
-          <a:chExt cx="0" cy="0"/>
-        </a:xfrm>
-      </p:grpSpPr>
-      <p:sp>
-        <p:nvSpPr>
-          <p:cNvPr id="2" name="Заголовок 1">
-            <a:extLst>
-              <a:ext uri="{FF2B5EF4-FFF2-40B4-BE49-F238E27FC236}">
                 <a16:creationId xmlns:a16="http://schemas.microsoft.com/office/drawing/2014/main" id="{F5BC9A47-1AB4-4141-AC80-42504766D7F9}"/>
               </a:ext>
             </a:extLst>
@@ -13783,7 +13584,7 @@
 </p:sld>
 </file>
 
-<file path=ppt/slides/slide4.xml><?xml version="1.0" encoding="utf-8"?>
+<file path=ppt/slides/slide3.xml><?xml version="1.0" encoding="utf-8"?>
 <p:sld xmlns:a="http://schemas.openxmlformats.org/drawingml/2006/main" xmlns:r="http://schemas.openxmlformats.org/officeDocument/2006/relationships" xmlns:p="http://schemas.openxmlformats.org/presentationml/2006/main">
   <p:cSld>
     <p:spTree>
@@ -13897,7 +13698,7 @@
 </p:sld>
 </file>
 
-<file path=ppt/slides/slide5.xml><?xml version="1.0" encoding="utf-8"?>
+<file path=ppt/slides/slide4.xml><?xml version="1.0" encoding="utf-8"?>
 <p:sld xmlns:a="http://schemas.openxmlformats.org/drawingml/2006/main" xmlns:r="http://schemas.openxmlformats.org/officeDocument/2006/relationships" xmlns:p="http://schemas.openxmlformats.org/presentationml/2006/main">
   <p:cSld>
     <p:spTree>
@@ -13963,7 +13764,21 @@
           <a:bodyPr/>
           <a:lstStyle/>
           <a:p>
-            <a:endParaRPr lang="ru-RU"/>
+            <a:pPr marL="0" indent="0">
+              <a:buNone/>
+            </a:pPr>
+            <a:r>
+              <a:rPr lang="ru-RU" dirty="0"/>
+              <a:t>Вы играете за призрака библиотеки, который должен помогать посетителям. У вас есть </a:t>
+            </a:r>
+            <a:r>
+              <a:rPr lang="ru-RU" dirty="0" err="1"/>
+              <a:t>мана</a:t>
+            </a:r>
+            <a:r>
+              <a:rPr lang="ru-RU" dirty="0"/>
+              <a:t> которая позволяет вам делать ограниченное количество физических действий в мире людей.</a:t>
+            </a:r>
           </a:p>
         </p:txBody>
       </p:sp>
@@ -13980,7 +13795,7 @@
 </p:sld>
 </file>
 
-<file path=ppt/slides/slide6.xml><?xml version="1.0" encoding="utf-8"?>
+<file path=ppt/slides/slide5.xml><?xml version="1.0" encoding="utf-8"?>
 <p:sld xmlns:a="http://schemas.openxmlformats.org/drawingml/2006/main" xmlns:r="http://schemas.openxmlformats.org/officeDocument/2006/relationships" xmlns:p="http://schemas.openxmlformats.org/presentationml/2006/main">
   <p:cSld>
     <p:spTree>
@@ -14046,7 +13861,43 @@
           <a:bodyPr/>
           <a:lstStyle/>
           <a:p>
-            <a:endParaRPr lang="ru-RU"/>
+            <a:pPr marL="0" indent="0">
+              <a:buNone/>
+            </a:pPr>
+            <a:r>
+              <a:rPr lang="ru-RU" dirty="0"/>
+              <a:t>К вам в библиотеку приходит посетитель, которого вы должны </a:t>
+            </a:r>
+            <a:r>
+              <a:rPr lang="en-US" dirty="0"/>
+              <a:t>“</a:t>
+            </a:r>
+            <a:r>
+              <a:rPr lang="ru-RU" dirty="0"/>
+              <a:t>обслужить</a:t>
+            </a:r>
+            <a:r>
+              <a:rPr lang="en-US" dirty="0"/>
+              <a:t>”</a:t>
+            </a:r>
+            <a:endParaRPr lang="ru-RU" dirty="0"/>
+          </a:p>
+          <a:p>
+            <a:pPr marL="0" indent="0">
+              <a:buNone/>
+            </a:pPr>
+            <a:r>
+              <a:rPr lang="ru-RU" dirty="0"/>
+              <a:t>путем взаимодействия с окружающим миром. Каждое действие тратит </a:t>
+            </a:r>
+            <a:r>
+              <a:rPr lang="ru-RU" dirty="0" err="1"/>
+              <a:t>ману</a:t>
+            </a:r>
+            <a:r>
+              <a:rPr lang="ru-RU" dirty="0"/>
+              <a:t>, которая восстанавливается со временем.</a:t>
+            </a:r>
           </a:p>
         </p:txBody>
       </p:sp>
@@ -14063,7 +13914,7 @@
 </p:sld>
 </file>
 
-<file path=ppt/slides/slide7.xml><?xml version="1.0" encoding="utf-8"?>
+<file path=ppt/slides/slide6.xml><?xml version="1.0" encoding="utf-8"?>
 <p:sld xmlns:a="http://schemas.openxmlformats.org/drawingml/2006/main" xmlns:r="http://schemas.openxmlformats.org/officeDocument/2006/relationships" xmlns:p="http://schemas.openxmlformats.org/presentationml/2006/main">
   <p:cSld>
     <p:spTree>
@@ -14108,31 +13959,96 @@
           </a:p>
         </p:txBody>
       </p:sp>
-      <p:sp>
-        <p:nvSpPr>
-          <p:cNvPr id="3" name="Объект 2">
+      <p:pic>
+        <p:nvPicPr>
+          <p:cNvPr id="4" name="Рисунок 3">
             <a:extLst>
               <a:ext uri="{FF2B5EF4-FFF2-40B4-BE49-F238E27FC236}">
-                <a16:creationId xmlns:a16="http://schemas.microsoft.com/office/drawing/2014/main" id="{D1439350-022A-4B6E-9E53-144E4166A66B}"/>
+                <a16:creationId xmlns:a16="http://schemas.microsoft.com/office/drawing/2014/main" id="{EA16F99E-ADB0-44BC-8059-BA138E33B097}"/>
               </a:ext>
             </a:extLst>
           </p:cNvPr>
-          <p:cNvSpPr>
-            <a:spLocks noGrp="1"/>
-          </p:cNvSpPr>
-          <p:nvPr>
-            <p:ph idx="1"/>
-          </p:nvPr>
-        </p:nvSpPr>
-        <p:spPr/>
-        <p:txBody>
-          <a:bodyPr/>
-          <a:lstStyle/>
-          <a:p>
-            <a:endParaRPr lang="ru-RU"/>
-          </a:p>
-        </p:txBody>
-      </p:sp>
+          <p:cNvPicPr>
+            <a:picLocks noChangeAspect="1"/>
+          </p:cNvPicPr>
+          <p:nvPr/>
+        </p:nvPicPr>
+        <p:blipFill>
+          <a:blip r:embed="rId2"/>
+          <a:stretch>
+            <a:fillRect/>
+          </a:stretch>
+        </p:blipFill>
+        <p:spPr>
+          <a:xfrm>
+            <a:off x="310719" y="3428997"/>
+            <a:ext cx="4935984" cy="2301481"/>
+          </a:xfrm>
+          <a:prstGeom prst="rect">
+            <a:avLst/>
+          </a:prstGeom>
+        </p:spPr>
+      </p:pic>
+      <p:pic>
+        <p:nvPicPr>
+          <p:cNvPr id="5" name="Рисунок 4">
+            <a:extLst>
+              <a:ext uri="{FF2B5EF4-FFF2-40B4-BE49-F238E27FC236}">
+                <a16:creationId xmlns:a16="http://schemas.microsoft.com/office/drawing/2014/main" id="{ED3D19D8-D893-47B6-B656-1696C2747829}"/>
+              </a:ext>
+            </a:extLst>
+          </p:cNvPr>
+          <p:cNvPicPr>
+            <a:picLocks noChangeAspect="1"/>
+          </p:cNvPicPr>
+          <p:nvPr/>
+        </p:nvPicPr>
+        <p:blipFill>
+          <a:blip r:embed="rId3"/>
+          <a:stretch>
+            <a:fillRect/>
+          </a:stretch>
+        </p:blipFill>
+        <p:spPr>
+          <a:xfrm>
+            <a:off x="5356763" y="3101230"/>
+            <a:ext cx="4113135" cy="2957011"/>
+          </a:xfrm>
+          <a:prstGeom prst="rect">
+            <a:avLst/>
+          </a:prstGeom>
+        </p:spPr>
+      </p:pic>
+      <p:pic>
+        <p:nvPicPr>
+          <p:cNvPr id="6" name="Рисунок 5">
+            <a:extLst>
+              <a:ext uri="{FF2B5EF4-FFF2-40B4-BE49-F238E27FC236}">
+                <a16:creationId xmlns:a16="http://schemas.microsoft.com/office/drawing/2014/main" id="{405151A1-D291-46AD-9EDF-81ABEF63DB43}"/>
+              </a:ext>
+            </a:extLst>
+          </p:cNvPr>
+          <p:cNvPicPr>
+            <a:picLocks noChangeAspect="1"/>
+          </p:cNvPicPr>
+          <p:nvPr/>
+        </p:nvPicPr>
+        <p:blipFill>
+          <a:blip r:embed="rId4"/>
+          <a:stretch>
+            <a:fillRect/>
+          </a:stretch>
+        </p:blipFill>
+        <p:spPr>
+          <a:xfrm>
+            <a:off x="9579958" y="3757381"/>
+            <a:ext cx="2532143" cy="1644710"/>
+          </a:xfrm>
+          <a:prstGeom prst="rect">
+            <a:avLst/>
+          </a:prstGeom>
+        </p:spPr>
+      </p:pic>
     </p:spTree>
     <p:extLst>
       <p:ext uri="{BB962C8B-B14F-4D97-AF65-F5344CB8AC3E}">
@@ -14146,7 +14062,7 @@
 </p:sld>
 </file>
 
-<file path=ppt/slides/slide8.xml><?xml version="1.0" encoding="utf-8"?>
+<file path=ppt/slides/slide7.xml><?xml version="1.0" encoding="utf-8"?>
 <p:sld xmlns:a="http://schemas.openxmlformats.org/drawingml/2006/main" xmlns:r="http://schemas.openxmlformats.org/officeDocument/2006/relationships" xmlns:p="http://schemas.openxmlformats.org/presentationml/2006/main">
   <p:cSld>
     <p:spTree>
@@ -14193,26 +14109,968 @@
       </p:sp>
       <p:sp>
         <p:nvSpPr>
-          <p:cNvPr id="3" name="Объект 2">
+          <p:cNvPr id="8" name="Rectangle 3">
             <a:extLst>
               <a:ext uri="{FF2B5EF4-FFF2-40B4-BE49-F238E27FC236}">
-                <a16:creationId xmlns:a16="http://schemas.microsoft.com/office/drawing/2014/main" id="{AD5CB77C-E06B-4367-B1C8-D7619BC2B5EE}"/>
+                <a16:creationId xmlns:a16="http://schemas.microsoft.com/office/drawing/2014/main" id="{98EDDB87-A81B-49FE-8C83-366A47E42F9C}"/>
               </a:ext>
             </a:extLst>
           </p:cNvPr>
           <p:cNvSpPr>
-            <a:spLocks noGrp="1"/>
+            <a:spLocks noGrp="1" noChangeArrowheads="1"/>
           </p:cNvSpPr>
           <p:nvPr>
             <p:ph idx="1"/>
           </p:nvPr>
         </p:nvSpPr>
-        <p:spPr/>
+        <p:spPr bwMode="auto">
+          <a:prstGeom prst="rect">
+            <a:avLst/>
+          </a:prstGeom>
+          <a:solidFill>
+            <a:srgbClr val="1E1F22"/>
+          </a:solidFill>
+          <a:ln>
+            <a:noFill/>
+          </a:ln>
+          <a:effectLst/>
+          <a:extLst>
+            <a:ext uri="{91240B29-F687-4F45-9708-019B960494DF}">
+              <a14:hiddenLine xmlns:a14="http://schemas.microsoft.com/office/drawing/2010/main" w="9525">
+                <a:solidFill>
+                  <a:schemeClr val="tx1"/>
+                </a:solidFill>
+                <a:miter lim="800000"/>
+                <a:headEnd/>
+                <a:tailEnd/>
+              </a14:hiddenLine>
+            </a:ext>
+            <a:ext uri="{AF507438-7753-43E0-B8FC-AC1667EBCBE1}">
+              <a14:hiddenEffects xmlns:a14="http://schemas.microsoft.com/office/drawing/2010/main">
+                <a:effectLst>
+                  <a:outerShdw dist="35921" dir="2700000" algn="ctr" rotWithShape="0">
+                    <a:schemeClr val="bg2"/>
+                  </a:outerShdw>
+                </a:effectLst>
+              </a14:hiddenEffects>
+            </a:ext>
+          </a:extLst>
+        </p:spPr>
         <p:txBody>
-          <a:bodyPr/>
+          <a:bodyPr vert="horz" wrap="none" lIns="91440" tIns="45720" rIns="91440" bIns="45720" numCol="1" anchor="ctr" anchorCtr="0" compatLnSpc="1">
+            <a:prstTxWarp prst="textNoShape">
+              <a:avLst/>
+            </a:prstTxWarp>
+            <a:spAutoFit/>
+          </a:bodyPr>
           <a:lstStyle/>
           <a:p>
-            <a:endParaRPr lang="ru-RU"/>
+            <a:pPr marL="0" marR="0" lvl="0" indent="0" algn="l" defTabSz="914400" rtl="0" eaLnBrk="0" fontAlgn="base" latinLnBrk="0" hangingPunct="0">
+              <a:lnSpc>
+                <a:spcPct val="100000"/>
+              </a:lnSpc>
+              <a:spcBef>
+                <a:spcPct val="0"/>
+              </a:spcBef>
+              <a:spcAft>
+                <a:spcPct val="0"/>
+              </a:spcAft>
+              <a:buClrTx/>
+              <a:buSzTx/>
+              <a:buFontTx/>
+              <a:buNone/>
+              <a:tabLst/>
+            </a:pPr>
+            <a:r>
+              <a:rPr kumimoji="0" lang="ru-RU" altLang="ru-RU" sz="1000" b="0" i="0" u="none" strike="noStrike" cap="none" normalizeH="0" baseline="0">
+                <a:ln>
+                  <a:noFill/>
+                </a:ln>
+                <a:solidFill>
+                  <a:srgbClr val="CF8E6D"/>
+                </a:solidFill>
+                <a:effectLst/>
+                <a:latin typeface="JetBrains Mono"/>
+              </a:rPr>
+              <a:t>def </a:t>
+            </a:r>
+            <a:r>
+              <a:rPr kumimoji="0" lang="ru-RU" altLang="ru-RU" sz="1000" b="0" i="0" u="none" strike="noStrike" cap="none" normalizeH="0" baseline="0">
+                <a:ln>
+                  <a:noFill/>
+                </a:ln>
+                <a:solidFill>
+                  <a:srgbClr val="56A8F5"/>
+                </a:solidFill>
+                <a:effectLst/>
+                <a:latin typeface="JetBrains Mono"/>
+              </a:rPr>
+              <a:t>on_mouse_press</a:t>
+            </a:r>
+            <a:r>
+              <a:rPr kumimoji="0" lang="ru-RU" altLang="ru-RU" sz="1000" b="0" i="0" u="none" strike="noStrike" cap="none" normalizeH="0" baseline="0">
+                <a:ln>
+                  <a:noFill/>
+                </a:ln>
+                <a:solidFill>
+                  <a:srgbClr val="BCBEC4"/>
+                </a:solidFill>
+                <a:effectLst/>
+                <a:latin typeface="JetBrains Mono"/>
+              </a:rPr>
+              <a:t>(self, x: </a:t>
+            </a:r>
+            <a:r>
+              <a:rPr kumimoji="0" lang="ru-RU" altLang="ru-RU" sz="1000" b="0" i="0" u="none" strike="noStrike" cap="none" normalizeH="0" baseline="0">
+                <a:ln>
+                  <a:noFill/>
+                </a:ln>
+                <a:solidFill>
+                  <a:srgbClr val="8888C6"/>
+                </a:solidFill>
+                <a:effectLst/>
+                <a:latin typeface="JetBrains Mono"/>
+              </a:rPr>
+              <a:t>float</a:t>
+            </a:r>
+            <a:r>
+              <a:rPr kumimoji="0" lang="ru-RU" altLang="ru-RU" sz="1000" b="0" i="0" u="none" strike="noStrike" cap="none" normalizeH="0" baseline="0">
+                <a:ln>
+                  <a:noFill/>
+                </a:ln>
+                <a:solidFill>
+                  <a:srgbClr val="BCBEC4"/>
+                </a:solidFill>
+                <a:effectLst/>
+                <a:latin typeface="JetBrains Mono"/>
+              </a:rPr>
+              <a:t>, y: </a:t>
+            </a:r>
+            <a:r>
+              <a:rPr kumimoji="0" lang="ru-RU" altLang="ru-RU" sz="1000" b="0" i="0" u="none" strike="noStrike" cap="none" normalizeH="0" baseline="0">
+                <a:ln>
+                  <a:noFill/>
+                </a:ln>
+                <a:solidFill>
+                  <a:srgbClr val="8888C6"/>
+                </a:solidFill>
+                <a:effectLst/>
+                <a:latin typeface="JetBrains Mono"/>
+              </a:rPr>
+              <a:t>float</a:t>
+            </a:r>
+            <a:r>
+              <a:rPr kumimoji="0" lang="ru-RU" altLang="ru-RU" sz="1000" b="0" i="0" u="none" strike="noStrike" cap="none" normalizeH="0" baseline="0">
+                <a:ln>
+                  <a:noFill/>
+                </a:ln>
+                <a:solidFill>
+                  <a:srgbClr val="BCBEC4"/>
+                </a:solidFill>
+                <a:effectLst/>
+                <a:latin typeface="JetBrains Mono"/>
+              </a:rPr>
+              <a:t>, button: </a:t>
+            </a:r>
+            <a:r>
+              <a:rPr kumimoji="0" lang="ru-RU" altLang="ru-RU" sz="1000" b="0" i="0" u="none" strike="noStrike" cap="none" normalizeH="0" baseline="0">
+                <a:ln>
+                  <a:noFill/>
+                </a:ln>
+                <a:solidFill>
+                  <a:srgbClr val="8888C6"/>
+                </a:solidFill>
+                <a:effectLst/>
+                <a:latin typeface="JetBrains Mono"/>
+              </a:rPr>
+              <a:t>int</a:t>
+            </a:r>
+            <a:r>
+              <a:rPr kumimoji="0" lang="ru-RU" altLang="ru-RU" sz="1000" b="0" i="0" u="none" strike="noStrike" cap="none" normalizeH="0" baseline="0">
+                <a:ln>
+                  <a:noFill/>
+                </a:ln>
+                <a:solidFill>
+                  <a:srgbClr val="BCBEC4"/>
+                </a:solidFill>
+                <a:effectLst/>
+                <a:latin typeface="JetBrains Mono"/>
+              </a:rPr>
+              <a:t>, modifiers: </a:t>
+            </a:r>
+            <a:r>
+              <a:rPr kumimoji="0" lang="ru-RU" altLang="ru-RU" sz="1000" b="0" i="0" u="none" strike="noStrike" cap="none" normalizeH="0" baseline="0">
+                <a:ln>
+                  <a:noFill/>
+                </a:ln>
+                <a:solidFill>
+                  <a:srgbClr val="8888C6"/>
+                </a:solidFill>
+                <a:effectLst/>
+                <a:latin typeface="JetBrains Mono"/>
+              </a:rPr>
+              <a:t>int</a:t>
+            </a:r>
+            <a:r>
+              <a:rPr kumimoji="0" lang="ru-RU" altLang="ru-RU" sz="1000" b="0" i="0" u="none" strike="noStrike" cap="none" normalizeH="0" baseline="0">
+                <a:ln>
+                  <a:noFill/>
+                </a:ln>
+                <a:solidFill>
+                  <a:srgbClr val="BCBEC4"/>
+                </a:solidFill>
+                <a:effectLst/>
+                <a:latin typeface="JetBrains Mono"/>
+              </a:rPr>
+              <a:t>):</a:t>
+            </a:r>
+            <a:br>
+              <a:rPr kumimoji="0" lang="ru-RU" altLang="ru-RU" sz="1000" b="0" i="0" u="none" strike="noStrike" cap="none" normalizeH="0" baseline="0">
+                <a:ln>
+                  <a:noFill/>
+                </a:ln>
+                <a:solidFill>
+                  <a:srgbClr val="BCBEC4"/>
+                </a:solidFill>
+                <a:effectLst/>
+                <a:latin typeface="JetBrains Mono"/>
+              </a:rPr>
+            </a:br>
+            <a:r>
+              <a:rPr kumimoji="0" lang="ru-RU" altLang="ru-RU" sz="1000" b="0" i="0" u="none" strike="noStrike" cap="none" normalizeH="0" baseline="0">
+                <a:ln>
+                  <a:noFill/>
+                </a:ln>
+                <a:solidFill>
+                  <a:srgbClr val="BCBEC4"/>
+                </a:solidFill>
+                <a:effectLst/>
+                <a:latin typeface="JetBrains Mono"/>
+              </a:rPr>
+              <a:t>    </a:t>
+            </a:r>
+            <a:r>
+              <a:rPr kumimoji="0" lang="ru-RU" altLang="ru-RU" sz="1000" b="0" i="0" u="none" strike="noStrike" cap="none" normalizeH="0" baseline="0">
+                <a:ln>
+                  <a:noFill/>
+                </a:ln>
+                <a:solidFill>
+                  <a:srgbClr val="7A7E85"/>
+                </a:solidFill>
+                <a:effectLst/>
+                <a:latin typeface="JetBrains Mono"/>
+              </a:rPr>
+              <a:t># Проверяем, была ли нажата одна из кнопок в меню паузы</a:t>
+            </a:r>
+            <a:br>
+              <a:rPr kumimoji="0" lang="ru-RU" altLang="ru-RU" sz="1000" b="0" i="0" u="none" strike="noStrike" cap="none" normalizeH="0" baseline="0">
+                <a:ln>
+                  <a:noFill/>
+                </a:ln>
+                <a:solidFill>
+                  <a:srgbClr val="7A7E85"/>
+                </a:solidFill>
+                <a:effectLst/>
+                <a:latin typeface="JetBrains Mono"/>
+              </a:rPr>
+            </a:br>
+            <a:r>
+              <a:rPr kumimoji="0" lang="ru-RU" altLang="ru-RU" sz="1000" b="0" i="0" u="none" strike="noStrike" cap="none" normalizeH="0" baseline="0">
+                <a:ln>
+                  <a:noFill/>
+                </a:ln>
+                <a:solidFill>
+                  <a:srgbClr val="7A7E85"/>
+                </a:solidFill>
+                <a:effectLst/>
+                <a:latin typeface="JetBrains Mono"/>
+              </a:rPr>
+              <a:t>    </a:t>
+            </a:r>
+            <a:r>
+              <a:rPr kumimoji="0" lang="ru-RU" altLang="ru-RU" sz="1000" b="0" i="0" u="none" strike="noStrike" cap="none" normalizeH="0" baseline="0">
+                <a:ln>
+                  <a:noFill/>
+                </a:ln>
+                <a:solidFill>
+                  <a:srgbClr val="CF8E6D"/>
+                </a:solidFill>
+                <a:effectLst/>
+                <a:latin typeface="JetBrains Mono"/>
+              </a:rPr>
+              <a:t>for </a:t>
+            </a:r>
+            <a:r>
+              <a:rPr kumimoji="0" lang="ru-RU" altLang="ru-RU" sz="1000" b="0" i="0" u="none" strike="noStrike" cap="none" normalizeH="0" baseline="0">
+                <a:ln>
+                  <a:noFill/>
+                </a:ln>
+                <a:solidFill>
+                  <a:srgbClr val="BCBEC4"/>
+                </a:solidFill>
+                <a:effectLst/>
+                <a:latin typeface="JetBrains Mono"/>
+              </a:rPr>
+              <a:t>btn </a:t>
+            </a:r>
+            <a:r>
+              <a:rPr kumimoji="0" lang="ru-RU" altLang="ru-RU" sz="1000" b="0" i="0" u="none" strike="noStrike" cap="none" normalizeH="0" baseline="0">
+                <a:ln>
+                  <a:noFill/>
+                </a:ln>
+                <a:solidFill>
+                  <a:srgbClr val="CF8E6D"/>
+                </a:solidFill>
+                <a:effectLst/>
+                <a:latin typeface="JetBrains Mono"/>
+              </a:rPr>
+              <a:t>in </a:t>
+            </a:r>
+            <a:r>
+              <a:rPr kumimoji="0" lang="ru-RU" altLang="ru-RU" sz="1000" b="0" i="0" u="none" strike="noStrike" cap="none" normalizeH="0" baseline="0">
+                <a:ln>
+                  <a:noFill/>
+                </a:ln>
+                <a:solidFill>
+                  <a:srgbClr val="BCBEC4"/>
+                </a:solidFill>
+                <a:effectLst/>
+                <a:latin typeface="JetBrains Mono"/>
+              </a:rPr>
+              <a:t>self.buttons:</a:t>
+            </a:r>
+            <a:br>
+              <a:rPr kumimoji="0" lang="ru-RU" altLang="ru-RU" sz="1000" b="0" i="0" u="none" strike="noStrike" cap="none" normalizeH="0" baseline="0">
+                <a:ln>
+                  <a:noFill/>
+                </a:ln>
+                <a:solidFill>
+                  <a:srgbClr val="BCBEC4"/>
+                </a:solidFill>
+                <a:effectLst/>
+                <a:latin typeface="JetBrains Mono"/>
+              </a:rPr>
+            </a:br>
+            <a:r>
+              <a:rPr kumimoji="0" lang="ru-RU" altLang="ru-RU" sz="1000" b="0" i="0" u="none" strike="noStrike" cap="none" normalizeH="0" baseline="0">
+                <a:ln>
+                  <a:noFill/>
+                </a:ln>
+                <a:solidFill>
+                  <a:srgbClr val="BCBEC4"/>
+                </a:solidFill>
+                <a:effectLst/>
+                <a:latin typeface="JetBrains Mono"/>
+              </a:rPr>
+              <a:t>        </a:t>
+            </a:r>
+            <a:r>
+              <a:rPr kumimoji="0" lang="ru-RU" altLang="ru-RU" sz="1000" b="0" i="0" u="none" strike="noStrike" cap="none" normalizeH="0" baseline="0">
+                <a:ln>
+                  <a:noFill/>
+                </a:ln>
+                <a:solidFill>
+                  <a:srgbClr val="CF8E6D"/>
+                </a:solidFill>
+                <a:effectLst/>
+                <a:latin typeface="JetBrains Mono"/>
+              </a:rPr>
+              <a:t>if </a:t>
+            </a:r>
+            <a:r>
+              <a:rPr kumimoji="0" lang="ru-RU" altLang="ru-RU" sz="1000" b="0" i="0" u="none" strike="noStrike" cap="none" normalizeH="0" baseline="0">
+                <a:ln>
+                  <a:noFill/>
+                </a:ln>
+                <a:solidFill>
+                  <a:srgbClr val="BCBEC4"/>
+                </a:solidFill>
+                <a:effectLst/>
+                <a:latin typeface="JetBrains Mono"/>
+              </a:rPr>
+              <a:t>btn.is_clicked(x, y):  </a:t>
+            </a:r>
+            <a:r>
+              <a:rPr kumimoji="0" lang="ru-RU" altLang="ru-RU" sz="1000" b="0" i="0" u="none" strike="noStrike" cap="none" normalizeH="0" baseline="0">
+                <a:ln>
+                  <a:noFill/>
+                </a:ln>
+                <a:solidFill>
+                  <a:srgbClr val="7A7E85"/>
+                </a:solidFill>
+                <a:effectLst/>
+                <a:latin typeface="JetBrains Mono"/>
+              </a:rPr>
+              <a:t># Если клик попал по области кнопки</a:t>
+            </a:r>
+            <a:br>
+              <a:rPr kumimoji="0" lang="ru-RU" altLang="ru-RU" sz="1000" b="0" i="0" u="none" strike="noStrike" cap="none" normalizeH="0" baseline="0">
+                <a:ln>
+                  <a:noFill/>
+                </a:ln>
+                <a:solidFill>
+                  <a:srgbClr val="7A7E85"/>
+                </a:solidFill>
+                <a:effectLst/>
+                <a:latin typeface="JetBrains Mono"/>
+              </a:rPr>
+            </a:br>
+            <a:br>
+              <a:rPr kumimoji="0" lang="ru-RU" altLang="ru-RU" sz="1000" b="0" i="0" u="none" strike="noStrike" cap="none" normalizeH="0" baseline="0">
+                <a:ln>
+                  <a:noFill/>
+                </a:ln>
+                <a:solidFill>
+                  <a:srgbClr val="7A7E85"/>
+                </a:solidFill>
+                <a:effectLst/>
+                <a:latin typeface="JetBrains Mono"/>
+              </a:rPr>
+            </a:br>
+            <a:r>
+              <a:rPr kumimoji="0" lang="ru-RU" altLang="ru-RU" sz="1000" b="0" i="0" u="none" strike="noStrike" cap="none" normalizeH="0" baseline="0">
+                <a:ln>
+                  <a:noFill/>
+                </a:ln>
+                <a:solidFill>
+                  <a:srgbClr val="7A7E85"/>
+                </a:solidFill>
+                <a:effectLst/>
+                <a:latin typeface="JetBrains Mono"/>
+              </a:rPr>
+              <a:t>            </a:t>
+            </a:r>
+            <a:r>
+              <a:rPr kumimoji="0" lang="ru-RU" altLang="ru-RU" sz="1000" b="0" i="0" u="none" strike="noStrike" cap="none" normalizeH="0" baseline="0">
+                <a:ln>
+                  <a:noFill/>
+                </a:ln>
+                <a:solidFill>
+                  <a:srgbClr val="CF8E6D"/>
+                </a:solidFill>
+                <a:effectLst/>
+                <a:latin typeface="JetBrains Mono"/>
+              </a:rPr>
+              <a:t>if </a:t>
+            </a:r>
+            <a:r>
+              <a:rPr kumimoji="0" lang="ru-RU" altLang="ru-RU" sz="1000" b="0" i="0" u="none" strike="noStrike" cap="none" normalizeH="0" baseline="0">
+                <a:ln>
+                  <a:noFill/>
+                </a:ln>
+                <a:solidFill>
+                  <a:srgbClr val="BCBEC4"/>
+                </a:solidFill>
+                <a:effectLst/>
+                <a:latin typeface="JetBrains Mono"/>
+              </a:rPr>
+              <a:t>btn.text == </a:t>
+            </a:r>
+            <a:r>
+              <a:rPr kumimoji="0" lang="ru-RU" altLang="ru-RU" sz="1000" b="0" i="0" u="none" strike="noStrike" cap="none" normalizeH="0" baseline="0">
+                <a:ln>
+                  <a:noFill/>
+                </a:ln>
+                <a:solidFill>
+                  <a:srgbClr val="6AAB73"/>
+                </a:solidFill>
+                <a:effectLst/>
+                <a:latin typeface="JetBrains Mono"/>
+              </a:rPr>
+              <a:t>"Продолжить"</a:t>
+            </a:r>
+            <a:r>
+              <a:rPr kumimoji="0" lang="ru-RU" altLang="ru-RU" sz="1000" b="0" i="0" u="none" strike="noStrike" cap="none" normalizeH="0" baseline="0">
+                <a:ln>
+                  <a:noFill/>
+                </a:ln>
+                <a:solidFill>
+                  <a:srgbClr val="BCBEC4"/>
+                </a:solidFill>
+                <a:effectLst/>
+                <a:latin typeface="JetBrains Mono"/>
+              </a:rPr>
+              <a:t>:</a:t>
+            </a:r>
+            <a:br>
+              <a:rPr kumimoji="0" lang="ru-RU" altLang="ru-RU" sz="1000" b="0" i="0" u="none" strike="noStrike" cap="none" normalizeH="0" baseline="0">
+                <a:ln>
+                  <a:noFill/>
+                </a:ln>
+                <a:solidFill>
+                  <a:srgbClr val="BCBEC4"/>
+                </a:solidFill>
+                <a:effectLst/>
+                <a:latin typeface="JetBrains Mono"/>
+              </a:rPr>
+            </a:br>
+            <a:r>
+              <a:rPr kumimoji="0" lang="ru-RU" altLang="ru-RU" sz="1000" b="0" i="0" u="none" strike="noStrike" cap="none" normalizeH="0" baseline="0">
+                <a:ln>
+                  <a:noFill/>
+                </a:ln>
+                <a:solidFill>
+                  <a:srgbClr val="BCBEC4"/>
+                </a:solidFill>
+                <a:effectLst/>
+                <a:latin typeface="JetBrains Mono"/>
+              </a:rPr>
+              <a:t>                </a:t>
+            </a:r>
+            <a:r>
+              <a:rPr kumimoji="0" lang="ru-RU" altLang="ru-RU" sz="1000" b="0" i="0" u="none" strike="noStrike" cap="none" normalizeH="0" baseline="0">
+                <a:ln>
+                  <a:noFill/>
+                </a:ln>
+                <a:solidFill>
+                  <a:srgbClr val="7A7E85"/>
+                </a:solidFill>
+                <a:effectLst/>
+                <a:latin typeface="JetBrains Mono"/>
+              </a:rPr>
+              <a:t># Возвращаемся к игровому процессу</a:t>
+            </a:r>
+            <a:br>
+              <a:rPr kumimoji="0" lang="ru-RU" altLang="ru-RU" sz="1000" b="0" i="0" u="none" strike="noStrike" cap="none" normalizeH="0" baseline="0">
+                <a:ln>
+                  <a:noFill/>
+                </a:ln>
+                <a:solidFill>
+                  <a:srgbClr val="7A7E85"/>
+                </a:solidFill>
+                <a:effectLst/>
+                <a:latin typeface="JetBrains Mono"/>
+              </a:rPr>
+            </a:br>
+            <a:r>
+              <a:rPr kumimoji="0" lang="ru-RU" altLang="ru-RU" sz="1000" b="0" i="0" u="none" strike="noStrike" cap="none" normalizeH="0" baseline="0">
+                <a:ln>
+                  <a:noFill/>
+                </a:ln>
+                <a:solidFill>
+                  <a:srgbClr val="7A7E85"/>
+                </a:solidFill>
+                <a:effectLst/>
+                <a:latin typeface="JetBrains Mono"/>
+              </a:rPr>
+              <a:t>                </a:t>
+            </a:r>
+            <a:r>
+              <a:rPr kumimoji="0" lang="ru-RU" altLang="ru-RU" sz="1000" b="0" i="0" u="none" strike="noStrike" cap="none" normalizeH="0" baseline="0">
+                <a:ln>
+                  <a:noFill/>
+                </a:ln>
+                <a:solidFill>
+                  <a:srgbClr val="BCBEC4"/>
+                </a:solidFill>
+                <a:effectLst/>
+                <a:latin typeface="JetBrains Mono"/>
+              </a:rPr>
+              <a:t>self.window.show_view(self.game_view)</a:t>
+            </a:r>
+            <a:br>
+              <a:rPr kumimoji="0" lang="ru-RU" altLang="ru-RU" sz="1000" b="0" i="0" u="none" strike="noStrike" cap="none" normalizeH="0" baseline="0">
+                <a:ln>
+                  <a:noFill/>
+                </a:ln>
+                <a:solidFill>
+                  <a:srgbClr val="BCBEC4"/>
+                </a:solidFill>
+                <a:effectLst/>
+                <a:latin typeface="JetBrains Mono"/>
+              </a:rPr>
+            </a:br>
+            <a:br>
+              <a:rPr kumimoji="0" lang="ru-RU" altLang="ru-RU" sz="1000" b="0" i="0" u="none" strike="noStrike" cap="none" normalizeH="0" baseline="0">
+                <a:ln>
+                  <a:noFill/>
+                </a:ln>
+                <a:solidFill>
+                  <a:srgbClr val="BCBEC4"/>
+                </a:solidFill>
+                <a:effectLst/>
+                <a:latin typeface="JetBrains Mono"/>
+              </a:rPr>
+            </a:br>
+            <a:r>
+              <a:rPr kumimoji="0" lang="ru-RU" altLang="ru-RU" sz="1000" b="0" i="0" u="none" strike="noStrike" cap="none" normalizeH="0" baseline="0">
+                <a:ln>
+                  <a:noFill/>
+                </a:ln>
+                <a:solidFill>
+                  <a:srgbClr val="BCBEC4"/>
+                </a:solidFill>
+                <a:effectLst/>
+                <a:latin typeface="JetBrains Mono"/>
+              </a:rPr>
+              <a:t>            </a:t>
+            </a:r>
+            <a:r>
+              <a:rPr kumimoji="0" lang="ru-RU" altLang="ru-RU" sz="1000" b="0" i="0" u="none" strike="noStrike" cap="none" normalizeH="0" baseline="0">
+                <a:ln>
+                  <a:noFill/>
+                </a:ln>
+                <a:solidFill>
+                  <a:srgbClr val="CF8E6D"/>
+                </a:solidFill>
+                <a:effectLst/>
+                <a:latin typeface="JetBrains Mono"/>
+              </a:rPr>
+              <a:t>elif </a:t>
+            </a:r>
+            <a:r>
+              <a:rPr kumimoji="0" lang="ru-RU" altLang="ru-RU" sz="1000" b="0" i="0" u="none" strike="noStrike" cap="none" normalizeH="0" baseline="0">
+                <a:ln>
+                  <a:noFill/>
+                </a:ln>
+                <a:solidFill>
+                  <a:srgbClr val="BCBEC4"/>
+                </a:solidFill>
+                <a:effectLst/>
+                <a:latin typeface="JetBrains Mono"/>
+              </a:rPr>
+              <a:t>btn.text == </a:t>
+            </a:r>
+            <a:r>
+              <a:rPr kumimoji="0" lang="ru-RU" altLang="ru-RU" sz="1000" b="0" i="0" u="none" strike="noStrike" cap="none" normalizeH="0" baseline="0">
+                <a:ln>
+                  <a:noFill/>
+                </a:ln>
+                <a:solidFill>
+                  <a:srgbClr val="6AAB73"/>
+                </a:solidFill>
+                <a:effectLst/>
+                <a:latin typeface="JetBrains Mono"/>
+              </a:rPr>
+              <a:t>"Сохранить игру"</a:t>
+            </a:r>
+            <a:r>
+              <a:rPr kumimoji="0" lang="ru-RU" altLang="ru-RU" sz="1000" b="0" i="0" u="none" strike="noStrike" cap="none" normalizeH="0" baseline="0">
+                <a:ln>
+                  <a:noFill/>
+                </a:ln>
+                <a:solidFill>
+                  <a:srgbClr val="BCBEC4"/>
+                </a:solidFill>
+                <a:effectLst/>
+                <a:latin typeface="JetBrains Mono"/>
+              </a:rPr>
+              <a:t>:</a:t>
+            </a:r>
+            <a:br>
+              <a:rPr kumimoji="0" lang="ru-RU" altLang="ru-RU" sz="1000" b="0" i="0" u="none" strike="noStrike" cap="none" normalizeH="0" baseline="0">
+                <a:ln>
+                  <a:noFill/>
+                </a:ln>
+                <a:solidFill>
+                  <a:srgbClr val="BCBEC4"/>
+                </a:solidFill>
+                <a:effectLst/>
+                <a:latin typeface="JetBrains Mono"/>
+              </a:rPr>
+            </a:br>
+            <a:r>
+              <a:rPr kumimoji="0" lang="ru-RU" altLang="ru-RU" sz="1000" b="0" i="0" u="none" strike="noStrike" cap="none" normalizeH="0" baseline="0">
+                <a:ln>
+                  <a:noFill/>
+                </a:ln>
+                <a:solidFill>
+                  <a:srgbClr val="BCBEC4"/>
+                </a:solidFill>
+                <a:effectLst/>
+                <a:latin typeface="JetBrains Mono"/>
+              </a:rPr>
+              <a:t>                </a:t>
+            </a:r>
+            <a:r>
+              <a:rPr kumimoji="0" lang="ru-RU" altLang="ru-RU" sz="1000" b="0" i="0" u="none" strike="noStrike" cap="none" normalizeH="0" baseline="0">
+                <a:ln>
+                  <a:noFill/>
+                </a:ln>
+                <a:solidFill>
+                  <a:srgbClr val="7A7E85"/>
+                </a:solidFill>
+                <a:effectLst/>
+                <a:latin typeface="JetBrains Mono"/>
+              </a:rPr>
+              <a:t># Вызываем метод сохранения из игрового представления</a:t>
+            </a:r>
+            <a:br>
+              <a:rPr kumimoji="0" lang="ru-RU" altLang="ru-RU" sz="1000" b="0" i="0" u="none" strike="noStrike" cap="none" normalizeH="0" baseline="0">
+                <a:ln>
+                  <a:noFill/>
+                </a:ln>
+                <a:solidFill>
+                  <a:srgbClr val="7A7E85"/>
+                </a:solidFill>
+                <a:effectLst/>
+                <a:latin typeface="JetBrains Mono"/>
+              </a:rPr>
+            </a:br>
+            <a:r>
+              <a:rPr kumimoji="0" lang="ru-RU" altLang="ru-RU" sz="1000" b="0" i="0" u="none" strike="noStrike" cap="none" normalizeH="0" baseline="0">
+                <a:ln>
+                  <a:noFill/>
+                </a:ln>
+                <a:solidFill>
+                  <a:srgbClr val="7A7E85"/>
+                </a:solidFill>
+                <a:effectLst/>
+                <a:latin typeface="JetBrains Mono"/>
+              </a:rPr>
+              <a:t>                </a:t>
+            </a:r>
+            <a:r>
+              <a:rPr kumimoji="0" lang="ru-RU" altLang="ru-RU" sz="1000" b="0" i="0" u="none" strike="noStrike" cap="none" normalizeH="0" baseline="0">
+                <a:ln>
+                  <a:noFill/>
+                </a:ln>
+                <a:solidFill>
+                  <a:srgbClr val="BCBEC4"/>
+                </a:solidFill>
+                <a:effectLst/>
+                <a:latin typeface="JetBrains Mono"/>
+              </a:rPr>
+              <a:t>self.game_view.save_game()</a:t>
+            </a:r>
+            <a:br>
+              <a:rPr kumimoji="0" lang="ru-RU" altLang="ru-RU" sz="1000" b="0" i="0" u="none" strike="noStrike" cap="none" normalizeH="0" baseline="0">
+                <a:ln>
+                  <a:noFill/>
+                </a:ln>
+                <a:solidFill>
+                  <a:srgbClr val="BCBEC4"/>
+                </a:solidFill>
+                <a:effectLst/>
+                <a:latin typeface="JetBrains Mono"/>
+              </a:rPr>
+            </a:br>
+            <a:r>
+              <a:rPr kumimoji="0" lang="ru-RU" altLang="ru-RU" sz="1000" b="0" i="0" u="none" strike="noStrike" cap="none" normalizeH="0" baseline="0">
+                <a:ln>
+                  <a:noFill/>
+                </a:ln>
+                <a:solidFill>
+                  <a:srgbClr val="BCBEC4"/>
+                </a:solidFill>
+                <a:effectLst/>
+                <a:latin typeface="JetBrains Mono"/>
+              </a:rPr>
+              <a:t>                </a:t>
+            </a:r>
+            <a:r>
+              <a:rPr kumimoji="0" lang="ru-RU" altLang="ru-RU" sz="1000" b="0" i="0" u="none" strike="noStrike" cap="none" normalizeH="0" baseline="0">
+                <a:ln>
+                  <a:noFill/>
+                </a:ln>
+                <a:solidFill>
+                  <a:srgbClr val="7A7E85"/>
+                </a:solidFill>
+                <a:effectLst/>
+                <a:latin typeface="JetBrains Mono"/>
+              </a:rPr>
+              <a:t># (Уведомление о сохранении появится автоматически в GameView)</a:t>
+            </a:r>
+            <a:br>
+              <a:rPr kumimoji="0" lang="ru-RU" altLang="ru-RU" sz="1000" b="0" i="0" u="none" strike="noStrike" cap="none" normalizeH="0" baseline="0">
+                <a:ln>
+                  <a:noFill/>
+                </a:ln>
+                <a:solidFill>
+                  <a:srgbClr val="7A7E85"/>
+                </a:solidFill>
+                <a:effectLst/>
+                <a:latin typeface="JetBrains Mono"/>
+              </a:rPr>
+            </a:br>
+            <a:br>
+              <a:rPr kumimoji="0" lang="ru-RU" altLang="ru-RU" sz="1000" b="0" i="0" u="none" strike="noStrike" cap="none" normalizeH="0" baseline="0">
+                <a:ln>
+                  <a:noFill/>
+                </a:ln>
+                <a:solidFill>
+                  <a:srgbClr val="7A7E85"/>
+                </a:solidFill>
+                <a:effectLst/>
+                <a:latin typeface="JetBrains Mono"/>
+              </a:rPr>
+            </a:br>
+            <a:r>
+              <a:rPr kumimoji="0" lang="ru-RU" altLang="ru-RU" sz="1000" b="0" i="0" u="none" strike="noStrike" cap="none" normalizeH="0" baseline="0">
+                <a:ln>
+                  <a:noFill/>
+                </a:ln>
+                <a:solidFill>
+                  <a:srgbClr val="7A7E85"/>
+                </a:solidFill>
+                <a:effectLst/>
+                <a:latin typeface="JetBrains Mono"/>
+              </a:rPr>
+              <a:t>            </a:t>
+            </a:r>
+            <a:r>
+              <a:rPr kumimoji="0" lang="ru-RU" altLang="ru-RU" sz="1000" b="0" i="0" u="none" strike="noStrike" cap="none" normalizeH="0" baseline="0">
+                <a:ln>
+                  <a:noFill/>
+                </a:ln>
+                <a:solidFill>
+                  <a:srgbClr val="CF8E6D"/>
+                </a:solidFill>
+                <a:effectLst/>
+                <a:latin typeface="JetBrains Mono"/>
+              </a:rPr>
+              <a:t>elif </a:t>
+            </a:r>
+            <a:r>
+              <a:rPr kumimoji="0" lang="ru-RU" altLang="ru-RU" sz="1000" b="0" i="0" u="none" strike="noStrike" cap="none" normalizeH="0" baseline="0">
+                <a:ln>
+                  <a:noFill/>
+                </a:ln>
+                <a:solidFill>
+                  <a:srgbClr val="BCBEC4"/>
+                </a:solidFill>
+                <a:effectLst/>
+                <a:latin typeface="JetBrains Mono"/>
+              </a:rPr>
+              <a:t>btn.text == </a:t>
+            </a:r>
+            <a:r>
+              <a:rPr kumimoji="0" lang="ru-RU" altLang="ru-RU" sz="1000" b="0" i="0" u="none" strike="noStrike" cap="none" normalizeH="0" baseline="0">
+                <a:ln>
+                  <a:noFill/>
+                </a:ln>
+                <a:solidFill>
+                  <a:srgbClr val="6AAB73"/>
+                </a:solidFill>
+                <a:effectLst/>
+                <a:latin typeface="JetBrains Mono"/>
+              </a:rPr>
+              <a:t>"В главное меню"</a:t>
+            </a:r>
+            <a:r>
+              <a:rPr kumimoji="0" lang="ru-RU" altLang="ru-RU" sz="1000" b="0" i="0" u="none" strike="noStrike" cap="none" normalizeH="0" baseline="0">
+                <a:ln>
+                  <a:noFill/>
+                </a:ln>
+                <a:solidFill>
+                  <a:srgbClr val="BCBEC4"/>
+                </a:solidFill>
+                <a:effectLst/>
+                <a:latin typeface="JetBrains Mono"/>
+              </a:rPr>
+              <a:t>:</a:t>
+            </a:r>
+            <a:br>
+              <a:rPr kumimoji="0" lang="ru-RU" altLang="ru-RU" sz="1000" b="0" i="0" u="none" strike="noStrike" cap="none" normalizeH="0" baseline="0">
+                <a:ln>
+                  <a:noFill/>
+                </a:ln>
+                <a:solidFill>
+                  <a:srgbClr val="BCBEC4"/>
+                </a:solidFill>
+                <a:effectLst/>
+                <a:latin typeface="JetBrains Mono"/>
+              </a:rPr>
+            </a:br>
+            <a:r>
+              <a:rPr kumimoji="0" lang="ru-RU" altLang="ru-RU" sz="1000" b="0" i="0" u="none" strike="noStrike" cap="none" normalizeH="0" baseline="0">
+                <a:ln>
+                  <a:noFill/>
+                </a:ln>
+                <a:solidFill>
+                  <a:srgbClr val="BCBEC4"/>
+                </a:solidFill>
+                <a:effectLst/>
+                <a:latin typeface="JetBrains Mono"/>
+              </a:rPr>
+              <a:t>                </a:t>
+            </a:r>
+            <a:r>
+              <a:rPr kumimoji="0" lang="ru-RU" altLang="ru-RU" sz="1000" b="0" i="0" u="none" strike="noStrike" cap="none" normalizeH="0" baseline="0">
+                <a:ln>
+                  <a:noFill/>
+                </a:ln>
+                <a:solidFill>
+                  <a:srgbClr val="7A7E85"/>
+                </a:solidFill>
+                <a:effectLst/>
+                <a:latin typeface="JetBrains Mono"/>
+              </a:rPr>
+              <a:t># Создаём новое главное меню и переключаемся на него</a:t>
+            </a:r>
+            <a:br>
+              <a:rPr kumimoji="0" lang="ru-RU" altLang="ru-RU" sz="1000" b="0" i="0" u="none" strike="noStrike" cap="none" normalizeH="0" baseline="0">
+                <a:ln>
+                  <a:noFill/>
+                </a:ln>
+                <a:solidFill>
+                  <a:srgbClr val="7A7E85"/>
+                </a:solidFill>
+                <a:effectLst/>
+                <a:latin typeface="JetBrains Mono"/>
+              </a:rPr>
+            </a:br>
+            <a:r>
+              <a:rPr kumimoji="0" lang="ru-RU" altLang="ru-RU" sz="1000" b="0" i="0" u="none" strike="noStrike" cap="none" normalizeH="0" baseline="0">
+                <a:ln>
+                  <a:noFill/>
+                </a:ln>
+                <a:solidFill>
+                  <a:srgbClr val="7A7E85"/>
+                </a:solidFill>
+                <a:effectLst/>
+                <a:latin typeface="JetBrains Mono"/>
+              </a:rPr>
+              <a:t>                </a:t>
+            </a:r>
+            <a:r>
+              <a:rPr kumimoji="0" lang="ru-RU" altLang="ru-RU" sz="1000" b="0" i="0" u="none" strike="noStrike" cap="none" normalizeH="0" baseline="0">
+                <a:ln>
+                  <a:noFill/>
+                </a:ln>
+                <a:solidFill>
+                  <a:srgbClr val="BCBEC4"/>
+                </a:solidFill>
+                <a:effectLst/>
+                <a:latin typeface="JetBrains Mono"/>
+              </a:rPr>
+              <a:t>main_menu = MainMenu()</a:t>
+            </a:r>
+            <a:br>
+              <a:rPr kumimoji="0" lang="ru-RU" altLang="ru-RU" sz="1000" b="0" i="0" u="none" strike="noStrike" cap="none" normalizeH="0" baseline="0">
+                <a:ln>
+                  <a:noFill/>
+                </a:ln>
+                <a:solidFill>
+                  <a:srgbClr val="BCBEC4"/>
+                </a:solidFill>
+                <a:effectLst/>
+                <a:latin typeface="JetBrains Mono"/>
+              </a:rPr>
+            </a:br>
+            <a:r>
+              <a:rPr kumimoji="0" lang="ru-RU" altLang="ru-RU" sz="1000" b="0" i="0" u="none" strike="noStrike" cap="none" normalizeH="0" baseline="0">
+                <a:ln>
+                  <a:noFill/>
+                </a:ln>
+                <a:solidFill>
+                  <a:srgbClr val="BCBEC4"/>
+                </a:solidFill>
+                <a:effectLst/>
+                <a:latin typeface="JetBrains Mono"/>
+              </a:rPr>
+              <a:t>                self.window.show_view(main_menu)</a:t>
+            </a:r>
+            <a:endParaRPr kumimoji="0" lang="ru-RU" altLang="ru-RU" sz="1800" b="0" i="0" u="none" strike="noStrike" cap="none" normalizeH="0" baseline="0">
+              <a:ln>
+                <a:noFill/>
+              </a:ln>
+              <a:solidFill>
+                <a:schemeClr val="tx1"/>
+              </a:solidFill>
+              <a:effectLst/>
+              <a:latin typeface="Arial" panose="020B0604020202020204" pitchFamily="34" charset="0"/>
+            </a:endParaRPr>
           </a:p>
         </p:txBody>
       </p:sp>
@@ -14229,7 +15087,7 @@
 </p:sld>
 </file>
 
-<file path=ppt/slides/slide9.xml><?xml version="1.0" encoding="utf-8"?>
+<file path=ppt/slides/slide8.xml><?xml version="1.0" encoding="utf-8"?>
 <p:sld xmlns:a="http://schemas.openxmlformats.org/drawingml/2006/main" xmlns:r="http://schemas.openxmlformats.org/officeDocument/2006/relationships" xmlns:p="http://schemas.openxmlformats.org/presentationml/2006/main">
   <p:cSld>
     <p:spTree>
@@ -14290,12 +15148,23 @@
             <p:ph idx="1"/>
           </p:nvPr>
         </p:nvSpPr>
-        <p:spPr/>
+        <p:spPr>
+          <a:xfrm>
+            <a:off x="1154954" y="4705164"/>
+            <a:ext cx="8825659" cy="1314635"/>
+          </a:xfrm>
+        </p:spPr>
         <p:txBody>
           <a:bodyPr/>
           <a:lstStyle/>
           <a:p>
-            <a:endParaRPr lang="ru-RU"/>
+            <a:pPr marL="0" indent="0">
+              <a:buNone/>
+            </a:pPr>
+            <a:r>
+              <a:rPr lang="ru-RU" dirty="0"/>
+              <a:t>Мы реализовали не все что планировали, но основная часть работает исправно. Спрайты делаются, все двигаются, задания выполняются.</a:t>
+            </a:r>
           </a:p>
         </p:txBody>
       </p:sp>
@@ -14303,6 +15172,116 @@
     <p:extLst>
       <p:ext uri="{BB962C8B-B14F-4D97-AF65-F5344CB8AC3E}">
         <p14:creationId xmlns:p14="http://schemas.microsoft.com/office/powerpoint/2010/main" val="1148057855"/>
+      </p:ext>
+    </p:extLst>
+  </p:cSld>
+  <p:clrMapOvr>
+    <a:masterClrMapping/>
+  </p:clrMapOvr>
+</p:sld>
+</file>
+
+<file path=ppt/slides/slide9.xml><?xml version="1.0" encoding="utf-8"?>
+<p:sld xmlns:a="http://schemas.openxmlformats.org/drawingml/2006/main" xmlns:r="http://schemas.openxmlformats.org/officeDocument/2006/relationships" xmlns:p="http://schemas.openxmlformats.org/presentationml/2006/main">
+  <p:cSld>
+    <p:spTree>
+      <p:nvGrpSpPr>
+        <p:cNvPr id="1" name=""/>
+        <p:cNvGrpSpPr/>
+        <p:nvPr/>
+      </p:nvGrpSpPr>
+      <p:grpSpPr>
+        <a:xfrm>
+          <a:off x="0" y="0"/>
+          <a:ext cx="0" cy="0"/>
+          <a:chOff x="0" y="0"/>
+          <a:chExt cx="0" cy="0"/>
+        </a:xfrm>
+      </p:grpSpPr>
+      <p:sp>
+        <p:nvSpPr>
+          <p:cNvPr id="2" name="Заголовок 1">
+            <a:extLst>
+              <a:ext uri="{FF2B5EF4-FFF2-40B4-BE49-F238E27FC236}">
+                <a16:creationId xmlns:a16="http://schemas.microsoft.com/office/drawing/2014/main" id="{F33EC161-5484-413F-8D45-42A93516B1C2}"/>
+              </a:ext>
+            </a:extLst>
+          </p:cNvPr>
+          <p:cNvSpPr>
+            <a:spLocks noGrp="1"/>
+          </p:cNvSpPr>
+          <p:nvPr>
+            <p:ph type="title"/>
+          </p:nvPr>
+        </p:nvSpPr>
+        <p:spPr/>
+        <p:txBody>
+          <a:bodyPr/>
+          <a:lstStyle/>
+          <a:p>
+            <a:r>
+              <a:rPr lang="ru-RU" dirty="0"/>
+              <a:t>Вывод</a:t>
+            </a:r>
+          </a:p>
+        </p:txBody>
+      </p:sp>
+      <p:sp>
+        <p:nvSpPr>
+          <p:cNvPr id="3" name="Объект 2">
+            <a:extLst>
+              <a:ext uri="{FF2B5EF4-FFF2-40B4-BE49-F238E27FC236}">
+                <a16:creationId xmlns:a16="http://schemas.microsoft.com/office/drawing/2014/main" id="{12090B16-FE82-4D86-8DCE-39BE31D1C193}"/>
+              </a:ext>
+            </a:extLst>
+          </p:cNvPr>
+          <p:cNvSpPr>
+            <a:spLocks noGrp="1"/>
+          </p:cNvSpPr>
+          <p:nvPr>
+            <p:ph idx="1"/>
+          </p:nvPr>
+        </p:nvSpPr>
+        <p:spPr/>
+        <p:txBody>
+          <a:bodyPr/>
+          <a:lstStyle/>
+          <a:p>
+            <a:r>
+              <a:rPr lang="ru-RU" dirty="0"/>
+              <a:t>Мы научились работать с библиотекой </a:t>
+            </a:r>
+            <a:r>
+              <a:rPr lang="en-US" dirty="0" err="1"/>
+              <a:t>Pygame</a:t>
+            </a:r>
+            <a:r>
+              <a:rPr lang="ru-RU" dirty="0"/>
+              <a:t>, смогли реализовать персонажа и его интерфейс. Научились делать карты и окружение в </a:t>
+            </a:r>
+            <a:r>
+              <a:rPr lang="en-US" dirty="0"/>
+              <a:t>Tiled</a:t>
+            </a:r>
+            <a:r>
+              <a:rPr lang="ru-RU" dirty="0"/>
+              <a:t>, и работать с </a:t>
+            </a:r>
+            <a:r>
+              <a:rPr lang="en-US" dirty="0"/>
+              <a:t>Git</a:t>
+            </a:r>
+            <a:r>
+              <a:rPr lang="ru-RU" dirty="0"/>
+              <a:t>ом. Сделали обработчик событий.</a:t>
+            </a:r>
+          </a:p>
+        </p:txBody>
+      </p:sp>
+    </p:spTree>
+    <p:extLst>
+      <p:ext uri="{BB962C8B-B14F-4D97-AF65-F5344CB8AC3E}">
+        <p14:creationId xmlns:p14="http://schemas.microsoft.com/office/powerpoint/2010/main" val="4273452409"/>
       </p:ext>
     </p:extLst>
   </p:cSld>
